--- a/SMP_Master.pptx
+++ b/SMP_Master.pptx
@@ -2180,7 +2180,7 @@
                 <a:ea typeface="Roboto" pitchFamily="2" charset="0"/>
                 <a:cs typeface="+mn-cs"/>
               </a:rPr>
-              <a:t>/12</a:t>
+              <a:t>/26</a:t>
             </a:r>
           </a:p>
         </p:txBody>
@@ -2397,6 +2397,17 @@
           </a:lstStyle>
           <a:p>
             <a:r>
+              <a:rPr lang="en-US" noProof="0">
+                <a:solidFill>
+                  <a:schemeClr val="tx1">
+                    <a:lumMod val="50000"/>
+                    <a:lumOff val="50000"/>
+                  </a:schemeClr>
+                </a:solidFill>
+              </a:rPr>
+              <a:t>May 20, </a:t>
+            </a:r>
+            <a:r>
               <a:rPr lang="en-US" noProof="0" dirty="0">
                 <a:solidFill>
                   <a:schemeClr val="tx1">
@@ -2405,7 +2416,7 @@
                   </a:schemeClr>
                 </a:solidFill>
               </a:rPr>
-              <a:t>January 24, 2022</a:t>
+              <a:t>2022</a:t>
             </a:r>
           </a:p>
         </p:txBody>

--- a/SMP_Master.pptx
+++ b/SMP_Master.pptx
@@ -238,7 +238,7 @@
             <a:fld id="{847F17F2-BFCB-4C6B-96D3-DFF1A89C38CB}" type="datetimeFigureOut">
               <a:rPr lang="de-DE" smtClean="0"/>
               <a:pPr/>
-              <a:t>20.05.2022</a:t>
+              <a:t>20.10.2022</a:t>
             </a:fld>
             <a:endParaRPr lang="de-DE"/>
           </a:p>
@@ -3050,6 +3050,30 @@
           </a:p>
           <a:p>
             <a:pPr lvl="1"/>
+            <a:r>
+              <a:rPr lang="de-DE" sz="1600" dirty="0"/>
+              <a:t>Set </a:t>
+            </a:r>
+            <a:r>
+              <a:rPr lang="de-DE" sz="1600" b="1" dirty="0"/>
+              <a:t>cft_version</a:t>
+            </a:r>
+            <a:r>
+              <a:rPr lang="de-DE" sz="1600" dirty="0"/>
+              <a:t> to the CFturbo version being used (e.g. </a:t>
+            </a:r>
+            <a:r>
+              <a:rPr lang="de-DE" sz="1600" b="1" dirty="0"/>
+              <a:t>2022.1.2</a:t>
+            </a:r>
+            <a:r>
+              <a:rPr lang="de-DE" sz="1600" dirty="0"/>
+              <a:t>)</a:t>
+            </a:r>
+            <a:endParaRPr lang="de-DE" sz="1600" b="1" dirty="0"/>
+          </a:p>
+          <a:p>
+            <a:pPr lvl="1"/>
             <a:endParaRPr lang="de-DE" sz="1600" b="1" dirty="0"/>
           </a:p>
           <a:p>
@@ -3190,13 +3214,13 @@
               </a:ext>
             </a:extLst>
           </a:blip>
-          <a:srcRect t="-1499" b="59517"/>
+          <a:srcRect l="-1337" t="-43" r="-55" b="57922"/>
           <a:stretch/>
         </p:blipFill>
         <p:spPr>
           <a:xfrm>
-            <a:off x="1752432" y="4138912"/>
-            <a:ext cx="5711664" cy="2133600"/>
+            <a:off x="4648200" y="4038600"/>
+            <a:ext cx="4343400" cy="2171700"/>
           </a:xfrm>
           <a:prstGeom prst="rect">
             <a:avLst/>
@@ -3314,14 +3338,6 @@
             </a:r>
             <a:r>
               <a:rPr lang="de-DE" sz="1600" b="1" dirty="0"/>
-              <a:t>True</a:t>
-            </a:r>
-            <a:r>
-              <a:rPr lang="de-DE" sz="1600" dirty="0"/>
-              <a:t> or </a:t>
-            </a:r>
-            <a:r>
-              <a:rPr lang="de-DE" sz="1600" b="1" dirty="0"/>
               <a:t>False</a:t>
             </a:r>
             <a:endParaRPr lang="de-DE" sz="1600" dirty="0"/>
@@ -3430,13 +3446,13 @@
               </a:ext>
             </a:extLst>
           </a:blip>
-          <a:srcRect t="42982" b="30349"/>
+          <a:srcRect l="-1638" t="45930" r="1638" b="28955"/>
           <a:stretch/>
         </p:blipFill>
         <p:spPr>
           <a:xfrm>
-            <a:off x="1447800" y="3886200"/>
-            <a:ext cx="6050173" cy="1447800"/>
+            <a:off x="1447800" y="3657600"/>
+            <a:ext cx="6050173" cy="1828800"/>
           </a:xfrm>
           <a:prstGeom prst="rect">
             <a:avLst/>
@@ -5405,7 +5421,7 @@
           <a:p>
             <a:r>
               <a:rPr lang="de-DE" sz="2000" dirty="0"/>
-              <a:t>After the design process within CFturbo, select </a:t>
+              <a:t>Open the optimal design Cfturbo Design file, select </a:t>
             </a:r>
             <a:r>
               <a:rPr lang="de-DE" sz="2000" b="1" dirty="0"/>
@@ -7471,14 +7487,6 @@
             <a:r>
               <a:rPr lang="de-DE" sz="1600" b="1" dirty="0"/>
               <a:t>True</a:t>
-            </a:r>
-            <a:r>
-              <a:rPr lang="de-DE" sz="1600" dirty="0"/>
-              <a:t> or </a:t>
-            </a:r>
-            <a:r>
-              <a:rPr lang="de-DE" sz="1600" b="1" dirty="0"/>
-              <a:t>False</a:t>
             </a:r>
             <a:endParaRPr lang="de-DE" sz="1600" dirty="0"/>
           </a:p>
@@ -8512,8 +8520,8 @@
         </p:blipFill>
         <p:spPr>
           <a:xfrm>
-            <a:off x="2274824" y="2895600"/>
-            <a:ext cx="4941157" cy="3310314"/>
+            <a:off x="1812095" y="2743200"/>
+            <a:ext cx="5158581" cy="3455977"/>
           </a:xfrm>
           <a:prstGeom prst="rect">
             <a:avLst/>
@@ -8578,6 +8586,43 @@
             </a:pPr>
             <a:r>
               <a:rPr lang="de-DE" sz="2000" b="1" dirty="0"/>
+              <a:t>General Workflow:</a:t>
+            </a:r>
+          </a:p>
+          <a:p>
+            <a:pPr lvl="1"/>
+            <a:r>
+              <a:rPr lang="de-DE" sz="1600" dirty="0"/>
+              <a:t>Run steady-state simulations for each design variation</a:t>
+            </a:r>
+          </a:p>
+          <a:p>
+            <a:pPr lvl="1"/>
+            <a:r>
+              <a:rPr lang="de-DE" sz="1600" dirty="0"/>
+              <a:t>Analyze performance of each design variable to find optimal design</a:t>
+            </a:r>
+          </a:p>
+          <a:p>
+            <a:pPr lvl="1"/>
+            <a:r>
+              <a:rPr lang="de-DE" sz="1600" dirty="0"/>
+              <a:t>Run a full performance map for the optimal design</a:t>
+            </a:r>
+            <a:endParaRPr lang="de-DE" sz="2000" b="1" dirty="0"/>
+          </a:p>
+          <a:p>
+            <a:pPr marL="0" indent="0">
+              <a:buNone/>
+            </a:pPr>
+            <a:endParaRPr lang="de-DE" sz="2000" b="1" dirty="0"/>
+          </a:p>
+          <a:p>
+            <a:pPr marL="0" indent="0">
+              <a:buNone/>
+            </a:pPr>
+            <a:r>
+              <a:rPr lang="de-DE" sz="2000" b="1" dirty="0"/>
               <a:t>General Outline – Design Variation:</a:t>
             </a:r>
           </a:p>
@@ -8756,7 +8801,15 @@
           <a:p>
             <a:r>
               <a:rPr lang="de-DE" sz="2000" dirty="0"/>
-              <a:t>Create and name a project folder accordingly</a:t>
+              <a:t>Create and name a project folder accordingly (e.g. </a:t>
+            </a:r>
+            <a:r>
+              <a:rPr lang="de-DE" sz="2000" b="1" dirty="0"/>
+              <a:t>HT_single_stage</a:t>
+            </a:r>
+            <a:r>
+              <a:rPr lang="de-DE" sz="2000" dirty="0"/>
+              <a:t>)</a:t>
             </a:r>
           </a:p>
           <a:p>
@@ -8785,6 +8838,47 @@
               <a:rPr lang="de-DE" sz="1600" dirty="0"/>
               <a:t>modify_spro.py</a:t>
             </a:r>
+          </a:p>
+          <a:p>
+            <a:pPr lvl="1"/>
+            <a:endParaRPr lang="de-DE" sz="1600" dirty="0"/>
+          </a:p>
+          <a:p>
+            <a:pPr lvl="1"/>
+            <a:endParaRPr lang="de-DE" sz="1600" dirty="0"/>
+          </a:p>
+          <a:p>
+            <a:pPr lvl="1"/>
+            <a:endParaRPr lang="de-DE" sz="1600" dirty="0"/>
+          </a:p>
+          <a:p>
+            <a:pPr lvl="1"/>
+            <a:endParaRPr lang="de-DE" sz="1600" dirty="0"/>
+          </a:p>
+          <a:p>
+            <a:pPr lvl="1"/>
+            <a:endParaRPr lang="de-DE" sz="1600" dirty="0"/>
+          </a:p>
+          <a:p>
+            <a:pPr lvl="1"/>
+            <a:endParaRPr lang="de-DE" sz="1600" dirty="0"/>
+          </a:p>
+          <a:p>
+            <a:pPr lvl="1"/>
+            <a:endParaRPr lang="de-DE" sz="1600" dirty="0"/>
+          </a:p>
+          <a:p>
+            <a:r>
+              <a:rPr lang="de-DE" sz="2000" b="1" dirty="0"/>
+              <a:t>Ensure the Cfturbo Design File is also in the project folder!</a:t>
+            </a:r>
+            <a:endParaRPr lang="de-DE" sz="1600" b="1" dirty="0"/>
+          </a:p>
+          <a:p>
+            <a:pPr marL="0" indent="0">
+              <a:buNone/>
+            </a:pPr>
+            <a:endParaRPr lang="de-DE" sz="2000" dirty="0"/>
           </a:p>
           <a:p>
             <a:pPr marL="0" indent="0">
@@ -8880,8 +8974,8 @@
         </p:blipFill>
         <p:spPr>
           <a:xfrm>
-            <a:off x="1143000" y="3205035"/>
-            <a:ext cx="6858000" cy="3153947"/>
+            <a:off x="2819400" y="2292436"/>
+            <a:ext cx="5867402" cy="2702343"/>
           </a:xfrm>
           <a:prstGeom prst="rect">
             <a:avLst/>
@@ -8902,7 +8996,7 @@
         </p:nvSpPr>
         <p:spPr>
           <a:xfrm rot="5117515">
-            <a:off x="7220837" y="3443909"/>
+            <a:off x="7882614" y="2446368"/>
             <a:ext cx="838200" cy="228600"/>
           </a:xfrm>
           <a:prstGeom prst="rightArrow">
@@ -8956,7 +9050,7 @@
         </p:nvSpPr>
         <p:spPr>
           <a:xfrm rot="21267374">
-            <a:off x="4554556" y="5892941"/>
+            <a:off x="5647883" y="4611953"/>
             <a:ext cx="838200" cy="228600"/>
           </a:xfrm>
           <a:prstGeom prst="rightArrow">
@@ -10952,10 +11046,10 @@
       </p:sp>
       <p:pic>
         <p:nvPicPr>
-          <p:cNvPr id="6" name="Picture 5">
-            <a:extLst>
-              <a:ext uri="{FF2B5EF4-FFF2-40B4-BE49-F238E27FC236}">
-                <a16:creationId xmlns:a16="http://schemas.microsoft.com/office/drawing/2014/main" id="{FBB05F4A-6332-4AED-AC04-64A0D4512CB5}"/>
+          <p:cNvPr id="7" name="Picture 6" descr="Text&#10;&#10;Description automatically generated">
+            <a:extLst>
+              <a:ext uri="{FF2B5EF4-FFF2-40B4-BE49-F238E27FC236}">
+                <a16:creationId xmlns:a16="http://schemas.microsoft.com/office/drawing/2014/main" id="{27297D72-8FD7-0CA1-9768-82DD4E677285}"/>
               </a:ext>
             </a:extLst>
           </p:cNvPr>
@@ -10972,13 +11066,14 @@
               </a:ext>
             </a:extLst>
           </a:blip>
-          <a:srcRect/>
-          <a:stretch/>
+          <a:stretch>
+            <a:fillRect/>
+          </a:stretch>
         </p:blipFill>
         <p:spPr>
           <a:xfrm>
-            <a:off x="2057400" y="2007915"/>
-            <a:ext cx="4400126" cy="3915151"/>
+            <a:off x="2743200" y="2133600"/>
+            <a:ext cx="3315733" cy="3990882"/>
           </a:xfrm>
           <a:prstGeom prst="rect">
             <a:avLst/>

--- a/SMP_Master.pptx
+++ b/SMP_Master.pptx
@@ -238,7 +238,7 @@
             <a:fld id="{847F17F2-BFCB-4C6B-96D3-DFF1A89C38CB}" type="datetimeFigureOut">
               <a:rPr lang="de-DE" smtClean="0"/>
               <a:pPr/>
-              <a:t>20.10.2022</a:t>
+              <a:t>24.10.2022</a:t>
             </a:fld>
             <a:endParaRPr lang="de-DE"/>
           </a:p>
@@ -7774,6 +7774,61 @@
             </a:r>
           </a:p>
           <a:p>
+            <a:r>
+              <a:rPr lang="de-DE" sz="2000" b="1" dirty="0">
+                <a:highlight>
+                  <a:srgbClr val="FFFF00"/>
+                </a:highlight>
+              </a:rPr>
+              <a:t>Note: </a:t>
+            </a:r>
+            <a:r>
+              <a:rPr lang="de-DE" sz="2000" dirty="0">
+                <a:highlight>
+                  <a:srgbClr val="FFFF00"/>
+                </a:highlight>
+              </a:rPr>
+              <a:t>If using </a:t>
+            </a:r>
+            <a:r>
+              <a:rPr lang="de-DE" sz="2000" b="1" dirty="0">
+                <a:highlight>
+                  <a:srgbClr val="FFFF00"/>
+                </a:highlight>
+              </a:rPr>
+              <a:t>absolute</a:t>
+            </a:r>
+            <a:r>
+              <a:rPr lang="de-DE" sz="2000" dirty="0">
+                <a:highlight>
+                  <a:srgbClr val="FFFF00"/>
+                </a:highlight>
+              </a:rPr>
+              <a:t> values for </a:t>
+            </a:r>
+            <a:r>
+              <a:rPr lang="de-DE" sz="2000" b="1" dirty="0">
+                <a:highlight>
+                  <a:srgbClr val="FFFF00"/>
+                </a:highlight>
+              </a:rPr>
+              <a:t>flowrate_values</a:t>
+            </a:r>
+            <a:r>
+              <a:rPr lang="de-DE" sz="2000" dirty="0">
+                <a:highlight>
+                  <a:srgbClr val="FFFF00"/>
+                </a:highlight>
+              </a:rPr>
+              <a:t>, the values must be in cubic meters per second</a:t>
+            </a:r>
+            <a:endParaRPr lang="de-DE" sz="2000" b="1" dirty="0">
+              <a:highlight>
+                <a:srgbClr val="FFFF00"/>
+              </a:highlight>
+            </a:endParaRPr>
+          </a:p>
+          <a:p>
             <a:pPr marL="457200" lvl="1" indent="0">
               <a:buNone/>
             </a:pPr>
@@ -7869,7 +7924,7 @@
         </p:blipFill>
         <p:spPr>
           <a:xfrm>
-            <a:off x="1689643" y="3581400"/>
+            <a:off x="1716168" y="4418588"/>
             <a:ext cx="5711664" cy="1319512"/>
           </a:xfrm>
           <a:prstGeom prst="rect">

--- a/SMP_Master.pptx
+++ b/SMP_Master.pptx
@@ -238,7 +238,7 @@
             <a:fld id="{847F17F2-BFCB-4C6B-96D3-DFF1A89C38CB}" type="datetimeFigureOut">
               <a:rPr lang="de-DE" smtClean="0"/>
               <a:pPr/>
-              <a:t>24.10.2022</a:t>
+              <a:t>10.11.2022</a:t>
             </a:fld>
             <a:endParaRPr lang="de-DE"/>
           </a:p>
@@ -8925,7 +8925,11 @@
           <a:p>
             <a:r>
               <a:rPr lang="de-DE" sz="2000" b="1" dirty="0"/>
-              <a:t>Ensure the Cfturbo Design File is also in the project folder!</a:t>
+              <a:t>Ensure the Cfturbo Design File is also in the </a:t>
+            </a:r>
+            <a:r>
+              <a:rPr lang="de-DE" sz="2000" b="1"/>
+              <a:t>project folder, both with the same name!</a:t>
             </a:r>
             <a:endParaRPr lang="de-DE" sz="1600" b="1" dirty="0"/>
           </a:p>

--- a/SMP_Master.pptx
+++ b/SMP_Master.pptx
@@ -3008,7 +3008,15 @@
             <a:pPr lvl="2"/>
             <a:r>
               <a:rPr lang="de-DE" sz="1600" dirty="0"/>
-              <a:t>This should be consistent with the base file name used previously</a:t>
+              <a:t>This should be consistent with the base file </a:t>
+            </a:r>
+            <a:r>
+              <a:rPr lang="de-DE" sz="1600"/>
+              <a:t>name and project folder named </a:t>
+            </a:r>
+            <a:r>
+              <a:rPr lang="de-DE" sz="1600" dirty="0"/>
+              <a:t>previously</a:t>
             </a:r>
           </a:p>
           <a:p>
@@ -8925,11 +8933,7 @@
           <a:p>
             <a:r>
               <a:rPr lang="de-DE" sz="2000" b="1" dirty="0"/>
-              <a:t>Ensure the Cfturbo Design File is also in the </a:t>
-            </a:r>
-            <a:r>
-              <a:rPr lang="de-DE" sz="2000" b="1"/>
-              <a:t>project folder, both with the same name!</a:t>
+              <a:t>Ensure the Cfturbo Design File is also in the project folder, both with the same name!</a:t>
             </a:r>
             <a:endParaRPr lang="de-DE" sz="1600" b="1" dirty="0"/>
           </a:p>
